--- a/Offline/BusinessManagement/Marketing/MarketingArtworks/PPTX/PrintNow/Flyer-Ai-halfA4-5kPc.pptx
+++ b/Offline/BusinessManagement/Marketing/MarketingArtworks/PPTX/PrintNow/Flyer-Ai-halfA4-5kPc.pptx
@@ -243,7 +243,7 @@
           <a:p>
             <a:fld id="{E3759604-EFD2-4C79-BE13-E71CA39EA512}" type="datetimeFigureOut">
               <a:rPr lang="en-US" smtClean="0"/>
-              <a:t>8/16/2023</a:t>
+              <a:t>11/24/2023</a:t>
             </a:fld>
             <a:endParaRPr lang="en-US"/>
           </a:p>
@@ -413,7 +413,7 @@
           <a:p>
             <a:fld id="{E3759604-EFD2-4C79-BE13-E71CA39EA512}" type="datetimeFigureOut">
               <a:rPr lang="en-US" smtClean="0"/>
-              <a:t>8/16/2023</a:t>
+              <a:t>11/24/2023</a:t>
             </a:fld>
             <a:endParaRPr lang="en-US"/>
           </a:p>
@@ -593,7 +593,7 @@
           <a:p>
             <a:fld id="{E3759604-EFD2-4C79-BE13-E71CA39EA512}" type="datetimeFigureOut">
               <a:rPr lang="en-US" smtClean="0"/>
-              <a:t>8/16/2023</a:t>
+              <a:t>11/24/2023</a:t>
             </a:fld>
             <a:endParaRPr lang="en-US"/>
           </a:p>
@@ -763,7 +763,7 @@
           <a:p>
             <a:fld id="{E3759604-EFD2-4C79-BE13-E71CA39EA512}" type="datetimeFigureOut">
               <a:rPr lang="en-US" smtClean="0"/>
-              <a:t>8/16/2023</a:t>
+              <a:t>11/24/2023</a:t>
             </a:fld>
             <a:endParaRPr lang="en-US"/>
           </a:p>
@@ -1007,7 +1007,7 @@
           <a:p>
             <a:fld id="{E3759604-EFD2-4C79-BE13-E71CA39EA512}" type="datetimeFigureOut">
               <a:rPr lang="en-US" smtClean="0"/>
-              <a:t>8/16/2023</a:t>
+              <a:t>11/24/2023</a:t>
             </a:fld>
             <a:endParaRPr lang="en-US"/>
           </a:p>
@@ -1239,7 +1239,7 @@
           <a:p>
             <a:fld id="{E3759604-EFD2-4C79-BE13-E71CA39EA512}" type="datetimeFigureOut">
               <a:rPr lang="en-US" smtClean="0"/>
-              <a:t>8/16/2023</a:t>
+              <a:t>11/24/2023</a:t>
             </a:fld>
             <a:endParaRPr lang="en-US"/>
           </a:p>
@@ -1606,7 +1606,7 @@
           <a:p>
             <a:fld id="{E3759604-EFD2-4C79-BE13-E71CA39EA512}" type="datetimeFigureOut">
               <a:rPr lang="en-US" smtClean="0"/>
-              <a:t>8/16/2023</a:t>
+              <a:t>11/24/2023</a:t>
             </a:fld>
             <a:endParaRPr lang="en-US"/>
           </a:p>
@@ -1724,7 +1724,7 @@
           <a:p>
             <a:fld id="{E3759604-EFD2-4C79-BE13-E71CA39EA512}" type="datetimeFigureOut">
               <a:rPr lang="en-US" smtClean="0"/>
-              <a:t>8/16/2023</a:t>
+              <a:t>11/24/2023</a:t>
             </a:fld>
             <a:endParaRPr lang="en-US"/>
           </a:p>
@@ -1819,7 +1819,7 @@
           <a:p>
             <a:fld id="{E3759604-EFD2-4C79-BE13-E71CA39EA512}" type="datetimeFigureOut">
               <a:rPr lang="en-US" smtClean="0"/>
-              <a:t>8/16/2023</a:t>
+              <a:t>11/24/2023</a:t>
             </a:fld>
             <a:endParaRPr lang="en-US"/>
           </a:p>
@@ -2096,7 +2096,7 @@
           <a:p>
             <a:fld id="{E3759604-EFD2-4C79-BE13-E71CA39EA512}" type="datetimeFigureOut">
               <a:rPr lang="en-US" smtClean="0"/>
-              <a:t>8/16/2023</a:t>
+              <a:t>11/24/2023</a:t>
             </a:fld>
             <a:endParaRPr lang="en-US"/>
           </a:p>
@@ -2353,7 +2353,7 @@
           <a:p>
             <a:fld id="{E3759604-EFD2-4C79-BE13-E71CA39EA512}" type="datetimeFigureOut">
               <a:rPr lang="en-US" smtClean="0"/>
-              <a:t>8/16/2023</a:t>
+              <a:t>11/24/2023</a:t>
             </a:fld>
             <a:endParaRPr lang="en-US"/>
           </a:p>
@@ -2566,7 +2566,7 @@
           <a:p>
             <a:fld id="{E3759604-EFD2-4C79-BE13-E71CA39EA512}" type="datetimeFigureOut">
               <a:rPr lang="en-US" smtClean="0"/>
-              <a:t>8/16/2023</a:t>
+              <a:t>11/24/2023</a:t>
             </a:fld>
             <a:endParaRPr lang="en-US"/>
           </a:p>
@@ -3087,8 +3087,8 @@
         </p:nvSpPr>
         <p:spPr>
           <a:xfrm>
-            <a:off x="2943605" y="6080286"/>
-            <a:ext cx="18552642" cy="1446550"/>
+            <a:off x="1379621" y="6080286"/>
+            <a:ext cx="22481372" cy="1446550"/>
           </a:xfrm>
           <a:prstGeom prst="rect">
             <a:avLst/>
@@ -3127,7 +3127,7 @@
                 </a:effectLst>
                 <a:latin typeface="Oxygen" panose="02000503000000000000" pitchFamily="2" charset="0"/>
               </a:rPr>
-              <a:t>Artificial Intelligence &amp; IT Training</a:t>
+              <a:t>Artificial Intelligence for Class III to VII </a:t>
             </a:r>
             <a:endParaRPr lang="en-AU" sz="8800" b="1" cap="small" dirty="0">
               <a:ln w="6600">
@@ -3432,8 +3432,8 @@
         </p:nvSpPr>
         <p:spPr>
           <a:xfrm rot="21243013">
-            <a:off x="8556221" y="8749074"/>
-            <a:ext cx="7387149" cy="6613484"/>
+            <a:off x="8994371" y="9078262"/>
+            <a:ext cx="7387149" cy="6012258"/>
           </a:xfrm>
           <a:prstGeom prst="star32">
             <a:avLst/>
@@ -3482,10 +3482,10 @@
                 </a:effectLst>
                 <a:latin typeface="Oxygen" panose="02000503000000000000" pitchFamily="2" charset="0"/>
               </a:rPr>
-              <a:t>Upto</a:t>
-            </a:r>
-            <a:r>
-              <a:rPr lang="en-US" sz="3200" b="1" cap="small" dirty="0">
+              <a:t>₹4000 </a:t>
+            </a:r>
+            <a:r>
+              <a:rPr lang="en-US" sz="9700" b="1" cap="small" dirty="0">
                 <a:solidFill>
                   <a:schemeClr val="bg1"/>
                 </a:solidFill>
@@ -3498,39 +3498,7 @@
                 </a:effectLst>
                 <a:latin typeface="Oxygen" panose="02000503000000000000" pitchFamily="2" charset="0"/>
               </a:rPr>
-              <a:t> </a:t>
-            </a:r>
-            <a:r>
-              <a:rPr lang="en-US" sz="11600" b="1" cap="small" dirty="0">
-                <a:solidFill>
-                  <a:schemeClr val="bg1"/>
-                </a:solidFill>
-                <a:effectLst>
-                  <a:outerShdw blurRad="38100" dist="38100" dir="2700000" algn="tl">
-                    <a:srgbClr val="000000">
-                      <a:alpha val="43137"/>
-                    </a:srgbClr>
-                  </a:outerShdw>
-                </a:effectLst>
-                <a:latin typeface="Oxygen" panose="02000503000000000000" pitchFamily="2" charset="0"/>
-              </a:rPr>
-              <a:t>50%</a:t>
-            </a:r>
-            <a:r>
-              <a:rPr lang="en-US" sz="3200" b="1" cap="small" dirty="0">
-                <a:solidFill>
-                  <a:schemeClr val="bg1"/>
-                </a:solidFill>
-                <a:effectLst>
-                  <a:outerShdw blurRad="38100" dist="38100" dir="2700000" algn="tl">
-                    <a:srgbClr val="000000">
-                      <a:alpha val="43137"/>
-                    </a:srgbClr>
-                  </a:outerShdw>
-                </a:effectLst>
-                <a:latin typeface="Oxygen" panose="02000503000000000000" pitchFamily="2" charset="0"/>
-              </a:rPr>
-              <a:t> </a:t>
+              <a:t>₹2000 </a:t>
             </a:r>
             <a:r>
               <a:rPr lang="en-US" sz="4400" b="1" cap="small" dirty="0">
@@ -3546,24 +3514,21 @@
                 </a:effectLst>
                 <a:latin typeface="Oxygen" panose="02000503000000000000" pitchFamily="2" charset="0"/>
               </a:rPr>
-              <a:t>Off</a:t>
-            </a:r>
-            <a:r>
-              <a:rPr lang="en-US" sz="6000" b="1" cap="small" dirty="0">
-                <a:solidFill>
-                  <a:schemeClr val="bg1"/>
-                </a:solidFill>
-                <a:effectLst>
-                  <a:outerShdw blurRad="38100" dist="38100" dir="2700000" algn="tl">
-                    <a:srgbClr val="000000">
-                      <a:alpha val="43137"/>
-                    </a:srgbClr>
-                  </a:outerShdw>
-                </a:effectLst>
-                <a:latin typeface="Oxygen" panose="02000503000000000000" pitchFamily="2" charset="0"/>
-              </a:rPr>
-              <a:t> </a:t>
-            </a:r>
+              <a:t>per/month</a:t>
+            </a:r>
+            <a:endParaRPr lang="en-US" sz="6000" b="1" cap="small" dirty="0">
+              <a:solidFill>
+                <a:schemeClr val="bg1"/>
+              </a:solidFill>
+              <a:effectLst>
+                <a:outerShdw blurRad="38100" dist="38100" dir="2700000" algn="tl">
+                  <a:srgbClr val="000000">
+                    <a:alpha val="43137"/>
+                  </a:srgbClr>
+                </a:outerShdw>
+              </a:effectLst>
+              <a:latin typeface="Oxygen" panose="02000503000000000000" pitchFamily="2" charset="0"/>
+            </a:endParaRPr>
           </a:p>
           <a:p>
             <a:pPr algn="ctr"/>
@@ -3581,7 +3546,7 @@
                 </a:effectLst>
                 <a:latin typeface="Oxygen" panose="02000503000000000000" pitchFamily="2" charset="0"/>
               </a:rPr>
-              <a:t>T&amp;C Apply</a:t>
+              <a:t>GST Applies</a:t>
             </a:r>
             <a:endParaRPr lang="en-US" sz="2800" b="1" cap="small" dirty="0">
               <a:solidFill>
@@ -4138,7 +4103,7 @@
                 </a:effectLst>
                 <a:latin typeface="Oxygen" panose="02000503000000000000" pitchFamily="2" charset="0"/>
               </a:rPr>
-              <a:t>Globally experienced faculty from prestigious organizations, fun &amp; easy learning</a:t>
+              <a:t>experienced &amp; empathetic faculty from prestigious organizations, fun &amp; easy learning</a:t>
             </a:r>
           </a:p>
           <a:p>
@@ -4154,7 +4119,7 @@
                 </a:effectLst>
                 <a:latin typeface="Oxygen" panose="02000503000000000000" pitchFamily="2" charset="0"/>
               </a:rPr>
-              <a:t>Project-based, Job-Focused, Certification Help, Smart Classrooms, AC, CCTV</a:t>
+              <a:t>Project-based, Hands-on, Smart Classrooms, AC, CCTV</a:t>
             </a:r>
           </a:p>
         </p:txBody>
@@ -4941,6 +4906,49 @@
           </a:prstGeom>
         </p:spPr>
       </p:pic>
+      <p:cxnSp>
+        <p:nvCxnSpPr>
+          <p:cNvPr id="31" name="Straight Connector 30">
+            <a:extLst>
+              <a:ext uri="{FF2B5EF4-FFF2-40B4-BE49-F238E27FC236}">
+                <a16:creationId xmlns:a16="http://schemas.microsoft.com/office/drawing/2014/main" id="{F785E3DA-B7F5-B65D-C23F-FF0B9DC726D1}"/>
+              </a:ext>
+            </a:extLst>
+          </p:cNvPr>
+          <p:cNvCxnSpPr>
+            <a:cxnSpLocks/>
+          </p:cNvCxnSpPr>
+          <p:nvPr/>
+        </p:nvCxnSpPr>
+        <p:spPr>
+          <a:xfrm>
+            <a:off x="11578564" y="10639119"/>
+            <a:ext cx="1921036" cy="104305"/>
+          </a:xfrm>
+          <a:prstGeom prst="line">
+            <a:avLst/>
+          </a:prstGeom>
+          <a:ln w="76200">
+            <a:solidFill>
+              <a:srgbClr val="0066FF"/>
+            </a:solidFill>
+          </a:ln>
+        </p:spPr>
+        <p:style>
+          <a:lnRef idx="1">
+            <a:schemeClr val="accent1"/>
+          </a:lnRef>
+          <a:fillRef idx="0">
+            <a:schemeClr val="accent1"/>
+          </a:fillRef>
+          <a:effectRef idx="0">
+            <a:schemeClr val="accent1"/>
+          </a:effectRef>
+          <a:fontRef idx="minor">
+            <a:schemeClr val="tx1"/>
+          </a:fontRef>
+        </p:style>
+      </p:cxnSp>
     </p:spTree>
     <p:extLst>
       <p:ext uri="{BB962C8B-B14F-4D97-AF65-F5344CB8AC3E}">

--- a/Offline/BusinessManagement/Marketing/MarketingArtworks/PPTX/PrintNow/Flyer-Ai-halfA4-5kPc.pptx
+++ b/Offline/BusinessManagement/Marketing/MarketingArtworks/PPTX/PrintNow/Flyer-Ai-halfA4-5kPc.pptx
@@ -243,7 +243,7 @@
           <a:p>
             <a:fld id="{E3759604-EFD2-4C79-BE13-E71CA39EA512}" type="datetimeFigureOut">
               <a:rPr lang="en-US" smtClean="0"/>
-              <a:t>11/24/2023</a:t>
+              <a:t>11/28/2023</a:t>
             </a:fld>
             <a:endParaRPr lang="en-US"/>
           </a:p>
@@ -413,7 +413,7 @@
           <a:p>
             <a:fld id="{E3759604-EFD2-4C79-BE13-E71CA39EA512}" type="datetimeFigureOut">
               <a:rPr lang="en-US" smtClean="0"/>
-              <a:t>11/24/2023</a:t>
+              <a:t>11/28/2023</a:t>
             </a:fld>
             <a:endParaRPr lang="en-US"/>
           </a:p>
@@ -593,7 +593,7 @@
           <a:p>
             <a:fld id="{E3759604-EFD2-4C79-BE13-E71CA39EA512}" type="datetimeFigureOut">
               <a:rPr lang="en-US" smtClean="0"/>
-              <a:t>11/24/2023</a:t>
+              <a:t>11/28/2023</a:t>
             </a:fld>
             <a:endParaRPr lang="en-US"/>
           </a:p>
@@ -763,7 +763,7 @@
           <a:p>
             <a:fld id="{E3759604-EFD2-4C79-BE13-E71CA39EA512}" type="datetimeFigureOut">
               <a:rPr lang="en-US" smtClean="0"/>
-              <a:t>11/24/2023</a:t>
+              <a:t>11/28/2023</a:t>
             </a:fld>
             <a:endParaRPr lang="en-US"/>
           </a:p>
@@ -1007,7 +1007,7 @@
           <a:p>
             <a:fld id="{E3759604-EFD2-4C79-BE13-E71CA39EA512}" type="datetimeFigureOut">
               <a:rPr lang="en-US" smtClean="0"/>
-              <a:t>11/24/2023</a:t>
+              <a:t>11/28/2023</a:t>
             </a:fld>
             <a:endParaRPr lang="en-US"/>
           </a:p>
@@ -1239,7 +1239,7 @@
           <a:p>
             <a:fld id="{E3759604-EFD2-4C79-BE13-E71CA39EA512}" type="datetimeFigureOut">
               <a:rPr lang="en-US" smtClean="0"/>
-              <a:t>11/24/2023</a:t>
+              <a:t>11/28/2023</a:t>
             </a:fld>
             <a:endParaRPr lang="en-US"/>
           </a:p>
@@ -1606,7 +1606,7 @@
           <a:p>
             <a:fld id="{E3759604-EFD2-4C79-BE13-E71CA39EA512}" type="datetimeFigureOut">
               <a:rPr lang="en-US" smtClean="0"/>
-              <a:t>11/24/2023</a:t>
+              <a:t>11/28/2023</a:t>
             </a:fld>
             <a:endParaRPr lang="en-US"/>
           </a:p>
@@ -1724,7 +1724,7 @@
           <a:p>
             <a:fld id="{E3759604-EFD2-4C79-BE13-E71CA39EA512}" type="datetimeFigureOut">
               <a:rPr lang="en-US" smtClean="0"/>
-              <a:t>11/24/2023</a:t>
+              <a:t>11/28/2023</a:t>
             </a:fld>
             <a:endParaRPr lang="en-US"/>
           </a:p>
@@ -1819,7 +1819,7 @@
           <a:p>
             <a:fld id="{E3759604-EFD2-4C79-BE13-E71CA39EA512}" type="datetimeFigureOut">
               <a:rPr lang="en-US" smtClean="0"/>
-              <a:t>11/24/2023</a:t>
+              <a:t>11/28/2023</a:t>
             </a:fld>
             <a:endParaRPr lang="en-US"/>
           </a:p>
@@ -2096,7 +2096,7 @@
           <a:p>
             <a:fld id="{E3759604-EFD2-4C79-BE13-E71CA39EA512}" type="datetimeFigureOut">
               <a:rPr lang="en-US" smtClean="0"/>
-              <a:t>11/24/2023</a:t>
+              <a:t>11/28/2023</a:t>
             </a:fld>
             <a:endParaRPr lang="en-US"/>
           </a:p>
@@ -2353,7 +2353,7 @@
           <a:p>
             <a:fld id="{E3759604-EFD2-4C79-BE13-E71CA39EA512}" type="datetimeFigureOut">
               <a:rPr lang="en-US" smtClean="0"/>
-              <a:t>11/24/2023</a:t>
+              <a:t>11/28/2023</a:t>
             </a:fld>
             <a:endParaRPr lang="en-US"/>
           </a:p>
@@ -2566,7 +2566,7 @@
           <a:p>
             <a:fld id="{E3759604-EFD2-4C79-BE13-E71CA39EA512}" type="datetimeFigureOut">
               <a:rPr lang="en-US" smtClean="0"/>
-              <a:t>11/24/2023</a:t>
+              <a:t>11/28/2023</a:t>
             </a:fld>
             <a:endParaRPr lang="en-US"/>
           </a:p>
@@ -4949,6 +4949,89 @@
           </a:fontRef>
         </p:style>
       </p:cxnSp>
+      <p:pic>
+        <p:nvPicPr>
+          <p:cNvPr id="1028" name="Picture 4" descr="ChatGPT Logo PNG Transparent title=">
+            <a:extLst>
+              <a:ext uri="{FF2B5EF4-FFF2-40B4-BE49-F238E27FC236}">
+                <a16:creationId xmlns:a16="http://schemas.microsoft.com/office/drawing/2014/main" id="{46737D57-FD0B-76EF-02F1-142F636693A9}"/>
+              </a:ext>
+            </a:extLst>
+          </p:cNvPr>
+          <p:cNvPicPr>
+            <a:picLocks noChangeAspect="1" noChangeArrowheads="1"/>
+          </p:cNvPicPr>
+          <p:nvPr/>
+        </p:nvPicPr>
+        <p:blipFill>
+          <a:blip r:embed="rId17">
+            <a:extLst>
+              <a:ext uri="{28A0092B-C50C-407E-A947-70E740481C1C}">
+                <a14:useLocalDpi xmlns:a14="http://schemas.microsoft.com/office/drawing/2010/main" val="0"/>
+              </a:ext>
+            </a:extLst>
+          </a:blip>
+          <a:srcRect/>
+          <a:stretch>
+            <a:fillRect/>
+          </a:stretch>
+        </p:blipFill>
+        <p:spPr bwMode="auto">
+          <a:xfrm>
+            <a:off x="397538" y="1855147"/>
+            <a:ext cx="6059295" cy="1781432"/>
+          </a:xfrm>
+          <a:prstGeom prst="rect">
+            <a:avLst/>
+          </a:prstGeom>
+          <a:noFill/>
+          <a:extLst>
+            <a:ext uri="{909E8E84-426E-40DD-AFC4-6F175D3DCCD1}">
+              <a14:hiddenFill xmlns:a14="http://schemas.microsoft.com/office/drawing/2010/main">
+                <a:solidFill>
+                  <a:srgbClr val="FFFFFF"/>
+                </a:solidFill>
+              </a14:hiddenFill>
+            </a:ext>
+          </a:extLst>
+        </p:spPr>
+      </p:pic>
+      <p:sp>
+        <p:nvSpPr>
+          <p:cNvPr id="19" name="TextBox 18">
+            <a:extLst>
+              <a:ext uri="{FF2B5EF4-FFF2-40B4-BE49-F238E27FC236}">
+                <a16:creationId xmlns:a16="http://schemas.microsoft.com/office/drawing/2014/main" id="{E2CA31D5-6130-5263-9613-E5DF3AEC8566}"/>
+              </a:ext>
+            </a:extLst>
+          </p:cNvPr>
+          <p:cNvSpPr txBox="1"/>
+          <p:nvPr/>
+        </p:nvSpPr>
+        <p:spPr>
+          <a:xfrm>
+            <a:off x="1889457" y="3694814"/>
+            <a:ext cx="3824324" cy="1569660"/>
+          </a:xfrm>
+          <a:prstGeom prst="rect">
+            <a:avLst/>
+          </a:prstGeom>
+          <a:noFill/>
+        </p:spPr>
+        <p:txBody>
+          <a:bodyPr wrap="square" rtlCol="0">
+            <a:spAutoFit/>
+          </a:bodyPr>
+          <a:lstStyle/>
+          <a:p>
+            <a:pPr algn="ctr"/>
+            <a:r>
+              <a:rPr lang="en-US" sz="9600" b="1" dirty="0"/>
+              <a:t>Gen AI</a:t>
+            </a:r>
+          </a:p>
+        </p:txBody>
+      </p:sp>
     </p:spTree>
     <p:extLst>
       <p:ext uri="{BB962C8B-B14F-4D97-AF65-F5344CB8AC3E}">
